--- a/1. Prezentacije/6. JavaScript - Promise.pptx
+++ b/1. Prezentacije/6. JavaScript - Promise.pptx
@@ -217,7 +217,7 @@
           <a:p>
             <a:fld id="{51B1573C-E968-4969-A9CC-AF4DC37B41C7}" type="datetimeFigureOut">
               <a:rPr lang="en-US" smtClean="0"/>
-              <a:t>6/15/2022</a:t>
+              <a:t>6/16/2022</a:t>
             </a:fld>
             <a:endParaRPr lang="en-US"/>
           </a:p>
@@ -6275,8 +6275,12 @@
           <a:lstStyle/>
           <a:p>
             <a:r>
+              <a:rPr lang="en-US"/>
+              <a:t>6. JavaScript </a:t>
+            </a:r>
+            <a:r>
               <a:rPr lang="en-US" dirty="0"/>
-              <a:t>JavaScript - Promise</a:t>
+              <a:t>- Promise</a:t>
             </a:r>
           </a:p>
         </p:txBody>
